--- a/cnn/ResNet.pptx
+++ b/cnn/ResNet.pptx
@@ -4822,6 +4822,145 @@
               <a:t>深度残差网络</a:t>
             </a:r>
             <a:endParaRPr lang="en-US" dirty="0"/>
+          </a:p>
+        </p:txBody>
+      </p:sp>
+      <p:sp>
+        <p:nvSpPr>
+          <p:cNvPr id="4" name="TextBox 3">
+            <a:extLst>
+              <a:ext uri="{FF2B5EF4-FFF2-40B4-BE49-F238E27FC236}">
+                <a16:creationId xmlns:a16="http://schemas.microsoft.com/office/drawing/2014/main" id="{EC99D17C-9CAF-4CA3-AC60-BFC1E76BF537}"/>
+              </a:ext>
+            </a:extLst>
+          </p:cNvPr>
+          <p:cNvSpPr txBox="1"/>
+          <p:nvPr/>
+        </p:nvSpPr>
+        <p:spPr>
+          <a:xfrm>
+            <a:off x="10318270" y="6244120"/>
+            <a:ext cx="1914370" cy="923330"/>
+          </a:xfrm>
+          <a:prstGeom prst="rect">
+            <a:avLst/>
+          </a:prstGeom>
+          <a:noFill/>
+        </p:spPr>
+        <p:txBody>
+          <a:bodyPr wrap="none" rtlCol="0">
+            <a:spAutoFit/>
+          </a:bodyPr>
+          <a:lstStyle/>
+          <a:p>
+            <a:pPr algn="r"/>
+            <a:r>
+              <a:rPr lang="en-US" altLang="zh-CN" dirty="0" err="1">
+                <a:solidFill>
+                  <a:schemeClr val="tx1">
+                    <a:lumMod val="65000"/>
+                    <a:lumOff val="35000"/>
+                  </a:schemeClr>
+                </a:solidFill>
+              </a:rPr>
+              <a:t>BingAds</a:t>
+            </a:r>
+            <a:r>
+              <a:rPr lang="en-US" altLang="zh-CN" dirty="0">
+                <a:solidFill>
+                  <a:schemeClr val="tx1">
+                    <a:lumMod val="65000"/>
+                    <a:lumOff val="35000"/>
+                  </a:schemeClr>
+                </a:solidFill>
+              </a:rPr>
+              <a:t> </a:t>
+            </a:r>
+            <a:r>
+              <a:rPr lang="zh-CN" altLang="en-US" dirty="0" smtClean="0">
+                <a:solidFill>
+                  <a:schemeClr val="tx1">
+                    <a:lumMod val="65000"/>
+                    <a:lumOff val="35000"/>
+                  </a:schemeClr>
+                </a:solidFill>
+              </a:rPr>
+              <a:t>组内分</a:t>
+            </a:r>
+            <a:r>
+              <a:rPr lang="zh-CN" altLang="en-US" dirty="0">
+                <a:solidFill>
+                  <a:schemeClr val="tx1">
+                    <a:lumMod val="65000"/>
+                    <a:lumOff val="35000"/>
+                  </a:schemeClr>
+                </a:solidFill>
+              </a:rPr>
+              <a:t>享</a:t>
+            </a:r>
+            <a:endParaRPr lang="en-US" altLang="zh-CN" dirty="0">
+              <a:solidFill>
+                <a:schemeClr val="tx1">
+                  <a:lumMod val="65000"/>
+                  <a:lumOff val="35000"/>
+                </a:schemeClr>
+              </a:solidFill>
+            </a:endParaRPr>
+          </a:p>
+          <a:p>
+            <a:pPr algn="r"/>
+            <a:r>
+              <a:rPr lang="zh-CN" altLang="en-US" dirty="0">
+                <a:solidFill>
+                  <a:schemeClr val="tx1">
+                    <a:lumMod val="65000"/>
+                    <a:lumOff val="35000"/>
+                  </a:schemeClr>
+                </a:solidFill>
+              </a:rPr>
+              <a:t>刘杨</a:t>
+            </a:r>
+            <a:r>
+              <a:rPr lang="en-US" altLang="zh-CN" dirty="0">
+                <a:solidFill>
+                  <a:schemeClr val="tx1">
+                    <a:lumMod val="65000"/>
+                    <a:lumOff val="35000"/>
+                  </a:schemeClr>
+                </a:solidFill>
+              </a:rPr>
+              <a:t> </a:t>
+            </a:r>
+            <a:r>
+              <a:rPr lang="en-US" dirty="0" smtClean="0">
+                <a:solidFill>
+                  <a:schemeClr val="tx1">
+                    <a:lumMod val="65000"/>
+                    <a:lumOff val="35000"/>
+                  </a:schemeClr>
+                </a:solidFill>
+              </a:rPr>
+              <a:t>2018/01/05</a:t>
+            </a:r>
+            <a:endParaRPr lang="en-US" dirty="0">
+              <a:solidFill>
+                <a:schemeClr val="tx1">
+                  <a:lumMod val="65000"/>
+                  <a:lumOff val="35000"/>
+                </a:schemeClr>
+              </a:solidFill>
+            </a:endParaRPr>
+          </a:p>
+          <a:p>
+            <a:pPr algn="r"/>
+            <a:endParaRPr lang="en-US" altLang="zh-CN" dirty="0">
+              <a:solidFill>
+                <a:schemeClr val="tx1">
+                  <a:lumMod val="65000"/>
+                  <a:lumOff val="35000"/>
+                </a:schemeClr>
+              </a:solidFill>
+            </a:endParaRPr>
           </a:p>
         </p:txBody>
       </p:sp>
@@ -6651,14 +6790,12 @@
               <a:rPr lang="en-US" altLang="ko-KR" dirty="0" smtClean="0"/>
               <a:t>2016. </a:t>
             </a:r>
-            <a:endParaRPr lang="en-US" altLang="ko-KR" dirty="0" smtClean="0"/>
           </a:p>
           <a:p>
             <a:r>
               <a:rPr lang="en-US" dirty="0"/>
               <a:t>https://github.com/KaimingHe/deep-residual-networks</a:t>
             </a:r>
-            <a:endParaRPr lang="en-US" dirty="0"/>
           </a:p>
         </p:txBody>
       </p:sp>

--- a/cnn/ResNet.pptx
+++ b/cnn/ResNet.pptx
@@ -212,7 +212,7 @@
           <a:p>
             <a:fld id="{22EC3519-F8F5-4645-9B3C-41A4C05245A9}" type="datetimeFigureOut">
               <a:rPr lang="en-US" smtClean="0"/>
-              <a:t>1/4/2018</a:t>
+              <a:t>1/5/2018</a:t>
             </a:fld>
             <a:endParaRPr lang="en-US"/>
           </a:p>
@@ -1540,7 +1540,323 @@
           <a:bodyPr/>
           <a:lstStyle/>
           <a:p>
-            <a:endParaRPr lang="en-US"/>
+            <a:r>
+              <a:rPr lang="en-US" sz="1200" b="1" i="0" kern="1200" dirty="0" smtClean="0">
+                <a:solidFill>
+                  <a:schemeClr val="tx1"/>
+                </a:solidFill>
+                <a:effectLst/>
+                <a:latin typeface="+mn-lt"/>
+                <a:ea typeface="+mn-ea"/>
+                <a:cs typeface="+mn-cs"/>
+              </a:rPr>
+              <a:t>High bias (</a:t>
+            </a:r>
+            <a:r>
+              <a:rPr lang="en-US" sz="1200" b="1" i="0" kern="1200" dirty="0" err="1" smtClean="0">
+                <a:solidFill>
+                  <a:schemeClr val="tx1"/>
+                </a:solidFill>
+                <a:effectLst/>
+                <a:latin typeface="+mn-lt"/>
+                <a:ea typeface="+mn-ea"/>
+                <a:cs typeface="+mn-cs"/>
+              </a:rPr>
+              <a:t>underfitting</a:t>
+            </a:r>
+            <a:r>
+              <a:rPr lang="en-US" sz="1200" b="1" i="0" kern="1200" dirty="0" smtClean="0">
+                <a:solidFill>
+                  <a:schemeClr val="tx1"/>
+                </a:solidFill>
+                <a:effectLst/>
+                <a:latin typeface="+mn-lt"/>
+                <a:ea typeface="+mn-ea"/>
+                <a:cs typeface="+mn-cs"/>
+              </a:rPr>
+              <a:t>)</a:t>
+            </a:r>
+            <a:r>
+              <a:rPr lang="en-US" sz="1200" b="0" i="0" kern="1200" dirty="0" smtClean="0">
+                <a:solidFill>
+                  <a:schemeClr val="tx1"/>
+                </a:solidFill>
+                <a:effectLst/>
+                <a:latin typeface="+mn-lt"/>
+                <a:ea typeface="+mn-ea"/>
+                <a:cs typeface="+mn-cs"/>
+              </a:rPr>
+              <a:t>: both </a:t>
+            </a:r>
+            <a:r>
+              <a:rPr lang="en-US" sz="1200" b="0" i="1" u="none" strike="noStrike" kern="1200" dirty="0" err="1" smtClean="0">
+                <a:solidFill>
+                  <a:schemeClr val="tx1"/>
+                </a:solidFill>
+                <a:effectLst/>
+                <a:latin typeface="+mn-lt"/>
+                <a:ea typeface="+mn-ea"/>
+                <a:cs typeface="+mn-cs"/>
+              </a:rPr>
+              <a:t>Jtrain</a:t>
+            </a:r>
+            <a:r>
+              <a:rPr lang="en-US" sz="1200" b="0" i="0" u="none" strike="noStrike" kern="1200" dirty="0" smtClean="0">
+                <a:solidFill>
+                  <a:schemeClr val="tx1"/>
+                </a:solidFill>
+                <a:effectLst/>
+                <a:latin typeface="+mn-lt"/>
+                <a:ea typeface="+mn-ea"/>
+                <a:cs typeface="+mn-cs"/>
+              </a:rPr>
+              <a:t>(Θ)</a:t>
+            </a:r>
+            <a:r>
+              <a:rPr lang="en-US" sz="1200" b="0" i="0" kern="1200" dirty="0" smtClean="0">
+                <a:solidFill>
+                  <a:schemeClr val="tx1"/>
+                </a:solidFill>
+                <a:effectLst/>
+                <a:latin typeface="+mn-lt"/>
+                <a:ea typeface="+mn-ea"/>
+                <a:cs typeface="+mn-cs"/>
+              </a:rPr>
+              <a:t> and </a:t>
+            </a:r>
+            <a:r>
+              <a:rPr lang="en-US" sz="1200" b="0" i="1" u="none" strike="noStrike" kern="1200" dirty="0" smtClean="0">
+                <a:solidFill>
+                  <a:schemeClr val="tx1"/>
+                </a:solidFill>
+                <a:effectLst/>
+                <a:latin typeface="+mn-lt"/>
+                <a:ea typeface="+mn-ea"/>
+                <a:cs typeface="+mn-cs"/>
+              </a:rPr>
+              <a:t>JCV</a:t>
+            </a:r>
+            <a:r>
+              <a:rPr lang="en-US" sz="1200" b="0" i="0" u="none" strike="noStrike" kern="1200" dirty="0" smtClean="0">
+                <a:solidFill>
+                  <a:schemeClr val="tx1"/>
+                </a:solidFill>
+                <a:effectLst/>
+                <a:latin typeface="+mn-lt"/>
+                <a:ea typeface="+mn-ea"/>
+                <a:cs typeface="+mn-cs"/>
+              </a:rPr>
+              <a:t>(Θ)</a:t>
+            </a:r>
+            <a:r>
+              <a:rPr lang="en-US" sz="1200" b="0" i="0" kern="1200" dirty="0" smtClean="0">
+                <a:solidFill>
+                  <a:schemeClr val="tx1"/>
+                </a:solidFill>
+                <a:effectLst/>
+                <a:latin typeface="+mn-lt"/>
+                <a:ea typeface="+mn-ea"/>
+                <a:cs typeface="+mn-cs"/>
+              </a:rPr>
+              <a:t> will be high. Also, </a:t>
+            </a:r>
+            <a:r>
+              <a:rPr lang="en-US" sz="1200" b="0" i="1" u="none" strike="noStrike" kern="1200" dirty="0" smtClean="0">
+                <a:solidFill>
+                  <a:schemeClr val="tx1"/>
+                </a:solidFill>
+                <a:effectLst/>
+                <a:latin typeface="+mn-lt"/>
+                <a:ea typeface="+mn-ea"/>
+                <a:cs typeface="+mn-cs"/>
+              </a:rPr>
+              <a:t>JCV</a:t>
+            </a:r>
+            <a:r>
+              <a:rPr lang="en-US" sz="1200" b="0" i="0" u="none" strike="noStrike" kern="1200" dirty="0" smtClean="0">
+                <a:solidFill>
+                  <a:schemeClr val="tx1"/>
+                </a:solidFill>
+                <a:effectLst/>
+                <a:latin typeface="+mn-lt"/>
+                <a:ea typeface="+mn-ea"/>
+                <a:cs typeface="+mn-cs"/>
+              </a:rPr>
+              <a:t>(Θ)≈</a:t>
+            </a:r>
+            <a:r>
+              <a:rPr lang="en-US" sz="1200" b="0" i="1" u="none" strike="noStrike" kern="1200" dirty="0" err="1" smtClean="0">
+                <a:solidFill>
+                  <a:schemeClr val="tx1"/>
+                </a:solidFill>
+                <a:effectLst/>
+                <a:latin typeface="+mn-lt"/>
+                <a:ea typeface="+mn-ea"/>
+                <a:cs typeface="+mn-cs"/>
+              </a:rPr>
+              <a:t>Jtrain</a:t>
+            </a:r>
+            <a:r>
+              <a:rPr lang="en-US" sz="1200" b="0" i="0" u="none" strike="noStrike" kern="1200" dirty="0" smtClean="0">
+                <a:solidFill>
+                  <a:schemeClr val="tx1"/>
+                </a:solidFill>
+                <a:effectLst/>
+                <a:latin typeface="+mn-lt"/>
+                <a:ea typeface="+mn-ea"/>
+                <a:cs typeface="+mn-cs"/>
+              </a:rPr>
+              <a:t>(Θ)</a:t>
+            </a:r>
+            <a:r>
+              <a:rPr lang="en-US" sz="1200" b="0" i="0" kern="1200" dirty="0" smtClean="0">
+                <a:solidFill>
+                  <a:schemeClr val="tx1"/>
+                </a:solidFill>
+                <a:effectLst/>
+                <a:latin typeface="+mn-lt"/>
+                <a:ea typeface="+mn-ea"/>
+                <a:cs typeface="+mn-cs"/>
+              </a:rPr>
+              <a:t>.</a:t>
+            </a:r>
+          </a:p>
+          <a:p>
+            <a:r>
+              <a:rPr lang="en-US" sz="1200" b="1" i="0" kern="1200" dirty="0" smtClean="0">
+                <a:solidFill>
+                  <a:schemeClr val="tx1"/>
+                </a:solidFill>
+                <a:effectLst/>
+                <a:latin typeface="+mn-lt"/>
+                <a:ea typeface="+mn-ea"/>
+                <a:cs typeface="+mn-cs"/>
+              </a:rPr>
+              <a:t>High variance (overfitting)</a:t>
+            </a:r>
+            <a:r>
+              <a:rPr lang="en-US" sz="1200" b="0" i="0" kern="1200" dirty="0" smtClean="0">
+                <a:solidFill>
+                  <a:schemeClr val="tx1"/>
+                </a:solidFill>
+                <a:effectLst/>
+                <a:latin typeface="+mn-lt"/>
+                <a:ea typeface="+mn-ea"/>
+                <a:cs typeface="+mn-cs"/>
+              </a:rPr>
+              <a:t>: </a:t>
+            </a:r>
+            <a:r>
+              <a:rPr lang="en-US" sz="1200" b="0" i="1" u="none" strike="noStrike" kern="1200" dirty="0" err="1" smtClean="0">
+                <a:solidFill>
+                  <a:schemeClr val="tx1"/>
+                </a:solidFill>
+                <a:effectLst/>
+                <a:latin typeface="+mn-lt"/>
+                <a:ea typeface="+mn-ea"/>
+                <a:cs typeface="+mn-cs"/>
+              </a:rPr>
+              <a:t>Jtrain</a:t>
+            </a:r>
+            <a:r>
+              <a:rPr lang="en-US" sz="1200" b="0" i="0" u="none" strike="noStrike" kern="1200" dirty="0" smtClean="0">
+                <a:solidFill>
+                  <a:schemeClr val="tx1"/>
+                </a:solidFill>
+                <a:effectLst/>
+                <a:latin typeface="+mn-lt"/>
+                <a:ea typeface="+mn-ea"/>
+                <a:cs typeface="+mn-cs"/>
+              </a:rPr>
+              <a:t>(Θ)</a:t>
+            </a:r>
+            <a:r>
+              <a:rPr lang="en-US" sz="1200" b="0" i="0" kern="1200" dirty="0" smtClean="0">
+                <a:solidFill>
+                  <a:schemeClr val="tx1"/>
+                </a:solidFill>
+                <a:effectLst/>
+                <a:latin typeface="+mn-lt"/>
+                <a:ea typeface="+mn-ea"/>
+                <a:cs typeface="+mn-cs"/>
+              </a:rPr>
+              <a:t> will be low and </a:t>
+            </a:r>
+            <a:r>
+              <a:rPr lang="en-US" sz="1200" b="0" i="1" u="none" strike="noStrike" kern="1200" dirty="0" smtClean="0">
+                <a:solidFill>
+                  <a:schemeClr val="tx1"/>
+                </a:solidFill>
+                <a:effectLst/>
+                <a:latin typeface="+mn-lt"/>
+                <a:ea typeface="+mn-ea"/>
+                <a:cs typeface="+mn-cs"/>
+              </a:rPr>
+              <a:t>JCV</a:t>
+            </a:r>
+            <a:r>
+              <a:rPr lang="en-US" sz="1200" b="0" i="0" u="none" strike="noStrike" kern="1200" dirty="0" smtClean="0">
+                <a:solidFill>
+                  <a:schemeClr val="tx1"/>
+                </a:solidFill>
+                <a:effectLst/>
+                <a:latin typeface="+mn-lt"/>
+                <a:ea typeface="+mn-ea"/>
+                <a:cs typeface="+mn-cs"/>
+              </a:rPr>
+              <a:t>(Θ)</a:t>
+            </a:r>
+            <a:r>
+              <a:rPr lang="en-US" sz="1200" b="0" i="0" kern="1200" dirty="0" smtClean="0">
+                <a:solidFill>
+                  <a:schemeClr val="tx1"/>
+                </a:solidFill>
+                <a:effectLst/>
+                <a:latin typeface="+mn-lt"/>
+                <a:ea typeface="+mn-ea"/>
+                <a:cs typeface="+mn-cs"/>
+              </a:rPr>
+              <a:t> will be much greater than </a:t>
+            </a:r>
+            <a:r>
+              <a:rPr lang="en-US" sz="1200" b="0" i="1" u="none" strike="noStrike" kern="1200" dirty="0" err="1" smtClean="0">
+                <a:solidFill>
+                  <a:schemeClr val="tx1"/>
+                </a:solidFill>
+                <a:effectLst/>
+                <a:latin typeface="+mn-lt"/>
+                <a:ea typeface="+mn-ea"/>
+                <a:cs typeface="+mn-cs"/>
+              </a:rPr>
+              <a:t>Jtrain</a:t>
+            </a:r>
+            <a:r>
+              <a:rPr lang="en-US" sz="1200" b="0" i="0" u="none" strike="noStrike" kern="1200" dirty="0" smtClean="0">
+                <a:solidFill>
+                  <a:schemeClr val="tx1"/>
+                </a:solidFill>
+                <a:effectLst/>
+                <a:latin typeface="+mn-lt"/>
+                <a:ea typeface="+mn-ea"/>
+                <a:cs typeface="+mn-cs"/>
+              </a:rPr>
+              <a:t>(Θ)</a:t>
+            </a:r>
+            <a:r>
+              <a:rPr lang="en-US" sz="1200" b="0" i="0" kern="1200" dirty="0" smtClean="0">
+                <a:solidFill>
+                  <a:schemeClr val="tx1"/>
+                </a:solidFill>
+                <a:effectLst/>
+                <a:latin typeface="+mn-lt"/>
+                <a:ea typeface="+mn-ea"/>
+                <a:cs typeface="+mn-cs"/>
+              </a:rPr>
+              <a:t>.</a:t>
+            </a:r>
+          </a:p>
+          <a:p>
+            <a:endParaRPr lang="en-US" dirty="0"/>
           </a:p>
         </p:txBody>
       </p:sp>
@@ -2047,7 +2363,7 @@
           <a:p>
             <a:fld id="{8C03C29C-50D1-4975-BA59-608779FAB4F5}" type="datetimeFigureOut">
               <a:rPr lang="en-US" smtClean="0"/>
-              <a:t>1/4/2018</a:t>
+              <a:t>1/5/2018</a:t>
             </a:fld>
             <a:endParaRPr lang="en-US"/>
           </a:p>
@@ -2217,7 +2533,7 @@
           <a:p>
             <a:fld id="{8C03C29C-50D1-4975-BA59-608779FAB4F5}" type="datetimeFigureOut">
               <a:rPr lang="en-US" smtClean="0"/>
-              <a:t>1/4/2018</a:t>
+              <a:t>1/5/2018</a:t>
             </a:fld>
             <a:endParaRPr lang="en-US"/>
           </a:p>
@@ -2397,7 +2713,7 @@
           <a:p>
             <a:fld id="{8C03C29C-50D1-4975-BA59-608779FAB4F5}" type="datetimeFigureOut">
               <a:rPr lang="en-US" smtClean="0"/>
-              <a:t>1/4/2018</a:t>
+              <a:t>1/5/2018</a:t>
             </a:fld>
             <a:endParaRPr lang="en-US"/>
           </a:p>
@@ -2567,7 +2883,7 @@
           <a:p>
             <a:fld id="{8C03C29C-50D1-4975-BA59-608779FAB4F5}" type="datetimeFigureOut">
               <a:rPr lang="en-US" smtClean="0"/>
-              <a:t>1/4/2018</a:t>
+              <a:t>1/5/2018</a:t>
             </a:fld>
             <a:endParaRPr lang="en-US"/>
           </a:p>
@@ -2813,7 +3129,7 @@
           <a:p>
             <a:fld id="{8C03C29C-50D1-4975-BA59-608779FAB4F5}" type="datetimeFigureOut">
               <a:rPr lang="en-US" smtClean="0"/>
-              <a:t>1/4/2018</a:t>
+              <a:t>1/5/2018</a:t>
             </a:fld>
             <a:endParaRPr lang="en-US"/>
           </a:p>
@@ -3045,7 +3361,7 @@
           <a:p>
             <a:fld id="{8C03C29C-50D1-4975-BA59-608779FAB4F5}" type="datetimeFigureOut">
               <a:rPr lang="en-US" smtClean="0"/>
-              <a:t>1/4/2018</a:t>
+              <a:t>1/5/2018</a:t>
             </a:fld>
             <a:endParaRPr lang="en-US"/>
           </a:p>
@@ -3412,7 +3728,7 @@
           <a:p>
             <a:fld id="{8C03C29C-50D1-4975-BA59-608779FAB4F5}" type="datetimeFigureOut">
               <a:rPr lang="en-US" smtClean="0"/>
-              <a:t>1/4/2018</a:t>
+              <a:t>1/5/2018</a:t>
             </a:fld>
             <a:endParaRPr lang="en-US"/>
           </a:p>
@@ -3530,7 +3846,7 @@
           <a:p>
             <a:fld id="{8C03C29C-50D1-4975-BA59-608779FAB4F5}" type="datetimeFigureOut">
               <a:rPr lang="en-US" smtClean="0"/>
-              <a:t>1/4/2018</a:t>
+              <a:t>1/5/2018</a:t>
             </a:fld>
             <a:endParaRPr lang="en-US"/>
           </a:p>
@@ -3625,7 +3941,7 @@
           <a:p>
             <a:fld id="{8C03C29C-50D1-4975-BA59-608779FAB4F5}" type="datetimeFigureOut">
               <a:rPr lang="en-US" smtClean="0"/>
-              <a:t>1/4/2018</a:t>
+              <a:t>1/5/2018</a:t>
             </a:fld>
             <a:endParaRPr lang="en-US"/>
           </a:p>
@@ -3902,7 +4218,7 @@
           <a:p>
             <a:fld id="{8C03C29C-50D1-4975-BA59-608779FAB4F5}" type="datetimeFigureOut">
               <a:rPr lang="en-US" smtClean="0"/>
-              <a:t>1/4/2018</a:t>
+              <a:t>1/5/2018</a:t>
             </a:fld>
             <a:endParaRPr lang="en-US"/>
           </a:p>
@@ -4155,7 +4471,7 @@
           <a:p>
             <a:fld id="{8C03C29C-50D1-4975-BA59-608779FAB4F5}" type="datetimeFigureOut">
               <a:rPr lang="en-US" smtClean="0"/>
-              <a:t>1/4/2018</a:t>
+              <a:t>1/5/2018</a:t>
             </a:fld>
             <a:endParaRPr lang="en-US"/>
           </a:p>
@@ -4368,7 +4684,7 @@
           <a:p>
             <a:fld id="{8C03C29C-50D1-4975-BA59-608779FAB4F5}" type="datetimeFigureOut">
               <a:rPr lang="en-US" smtClean="0"/>
-              <a:t>1/4/2018</a:t>
+              <a:t>1/5/2018</a:t>
             </a:fld>
             <a:endParaRPr lang="en-US"/>
           </a:p>
@@ -7660,6 +7976,129 @@
           </a:extLst>
         </p:spPr>
       </p:pic>
+      <p:pic>
+        <p:nvPicPr>
+          <p:cNvPr id="1030" name="Picture 6" descr="https://d3c33hcgiwev3.cloudfront.net/imageAssetProxy.v1/bpAOvt9uEeaQlg5FcsXQDA_ecad653e01ee824b231ff8b5df7208d9_2-am.png?expiry=1515283200000&amp;hmac=PnKMuWzQtIlmuKVgbUd4qvglFu0LzHvVMX3BKwJLzLo"/>
+          <p:cNvPicPr>
+            <a:picLocks noChangeAspect="1" noChangeArrowheads="1"/>
+          </p:cNvPicPr>
+          <p:nvPr/>
+        </p:nvPicPr>
+        <p:blipFill>
+          <a:blip r:embed="rId5">
+            <a:extLst>
+              <a:ext uri="{28A0092B-C50C-407E-A947-70E740481C1C}">
+                <a14:useLocalDpi xmlns:a14="http://schemas.microsoft.com/office/drawing/2010/main" val="0"/>
+              </a:ext>
+            </a:extLst>
+          </a:blip>
+          <a:srcRect/>
+          <a:stretch>
+            <a:fillRect/>
+          </a:stretch>
+        </p:blipFill>
+        <p:spPr bwMode="auto">
+          <a:xfrm>
+            <a:off x="8371446" y="4540249"/>
+            <a:ext cx="2857500" cy="1771651"/>
+          </a:xfrm>
+          <a:prstGeom prst="rect">
+            <a:avLst/>
+          </a:prstGeom>
+          <a:noFill/>
+          <a:extLst>
+            <a:ext uri="{909E8E84-426E-40DD-AFC4-6F175D3DCCD1}">
+              <a14:hiddenFill xmlns:a14="http://schemas.microsoft.com/office/drawing/2010/main">
+                <a:solidFill>
+                  <a:srgbClr val="FFFFFF"/>
+                </a:solidFill>
+              </a14:hiddenFill>
+            </a:ext>
+          </a:extLst>
+        </p:spPr>
+      </p:pic>
+      <p:pic>
+        <p:nvPicPr>
+          <p:cNvPr id="1032" name="Picture 8" descr="https://d3c33hcgiwev3.cloudfront.net/imageAssetProxy.v1/vqlG7t9uEeaizBK307J26A_3e3e9f42b5e3ce9e3466a0416c4368ee_ITu3antfEeam4BLcQYZr8Q_37fe6be97e7b0740d1871ba99d4c2ed9_300px-Learning1.png?expiry=1515283200000&amp;hmac=GWwkpKxTEG6Wzj8gnd3-VXouNl2Gkn4daP8pLs14t8Y"/>
+          <p:cNvPicPr>
+            <a:picLocks noChangeAspect="1" noChangeArrowheads="1"/>
+          </p:cNvPicPr>
+          <p:nvPr/>
+        </p:nvPicPr>
+        <p:blipFill>
+          <a:blip r:embed="rId6">
+            <a:extLst>
+              <a:ext uri="{28A0092B-C50C-407E-A947-70E740481C1C}">
+                <a14:useLocalDpi xmlns:a14="http://schemas.microsoft.com/office/drawing/2010/main" val="0"/>
+              </a:ext>
+            </a:extLst>
+          </a:blip>
+          <a:srcRect/>
+          <a:stretch>
+            <a:fillRect/>
+          </a:stretch>
+        </p:blipFill>
+        <p:spPr bwMode="auto">
+          <a:xfrm>
+            <a:off x="8371446" y="2928937"/>
+            <a:ext cx="2857500" cy="1628776"/>
+          </a:xfrm>
+          <a:prstGeom prst="rect">
+            <a:avLst/>
+          </a:prstGeom>
+          <a:noFill/>
+          <a:extLst>
+            <a:ext uri="{909E8E84-426E-40DD-AFC4-6F175D3DCCD1}">
+              <a14:hiddenFill xmlns:a14="http://schemas.microsoft.com/office/drawing/2010/main">
+                <a:solidFill>
+                  <a:srgbClr val="FFFFFF"/>
+                </a:solidFill>
+              </a14:hiddenFill>
+            </a:ext>
+          </a:extLst>
+        </p:spPr>
+      </p:pic>
+      <p:pic>
+        <p:nvPicPr>
+          <p:cNvPr id="1034" name="Picture 10" descr="https://d3c33hcgiwev3.cloudfront.net/imageAssetProxy.v1/I4dRkz_pEeeHpAqQsW8qwg_bed7efdd48c13e8f75624c817fb39684_fixed.png?expiry=1515283200000&amp;hmac=vWhlM7N9sCjJojuUXS8LevWfn-5UnGrtSzKNMfcE228"/>
+          <p:cNvPicPr>
+            <a:picLocks noChangeAspect="1" noChangeArrowheads="1"/>
+          </p:cNvPicPr>
+          <p:nvPr/>
+        </p:nvPicPr>
+        <p:blipFill>
+          <a:blip r:embed="rId7">
+            <a:extLst>
+              <a:ext uri="{28A0092B-C50C-407E-A947-70E740481C1C}">
+                <a14:useLocalDpi xmlns:a14="http://schemas.microsoft.com/office/drawing/2010/main" val="0"/>
+              </a:ext>
+            </a:extLst>
+          </a:blip>
+          <a:srcRect/>
+          <a:stretch>
+            <a:fillRect/>
+          </a:stretch>
+        </p:blipFill>
+        <p:spPr bwMode="auto">
+          <a:xfrm>
+            <a:off x="8496300" y="365125"/>
+            <a:ext cx="2857500" cy="2428875"/>
+          </a:xfrm>
+          <a:prstGeom prst="rect">
+            <a:avLst/>
+          </a:prstGeom>
+          <a:noFill/>
+          <a:extLst>
+            <a:ext uri="{909E8E84-426E-40DD-AFC4-6F175D3DCCD1}">
+              <a14:hiddenFill xmlns:a14="http://schemas.microsoft.com/office/drawing/2010/main">
+                <a:solidFill>
+                  <a:srgbClr val="FFFFFF"/>
+                </a:solidFill>
+              </a14:hiddenFill>
+            </a:ext>
+          </a:extLst>
+        </p:spPr>
+      </p:pic>
     </p:spTree>
     <p:extLst>
       <p:ext uri="{BB962C8B-B14F-4D97-AF65-F5344CB8AC3E}">
@@ -7958,9 +8397,105 @@
           </a:p>
         </p:txBody>
       </p:sp>
+      <p:sp>
+        <p:nvSpPr>
+          <p:cNvPr id="4" name="Content Placeholder 2"/>
+          <p:cNvSpPr>
+            <a:spLocks noGrp="1"/>
+          </p:cNvSpPr>
+          <p:nvPr>
+            <p:ph idx="1"/>
+          </p:nvPr>
+        </p:nvSpPr>
+        <p:spPr>
+          <a:xfrm>
+            <a:off x="838200" y="1825625"/>
+            <a:ext cx="10515600" cy="4351338"/>
+          </a:xfrm>
+        </p:spPr>
+        <p:txBody>
+          <a:bodyPr/>
+          <a:lstStyle/>
+          <a:p>
+            <a:r>
+              <a:rPr lang="zh-CN" altLang="en-US" dirty="0" smtClean="0"/>
+              <a:t>数层</a:t>
+            </a:r>
+            <a:endParaRPr lang="en-US" altLang="zh-CN" dirty="0" smtClean="0"/>
+          </a:p>
+          <a:p>
+            <a:pPr lvl="1"/>
+            <a:r>
+              <a:rPr lang="en-US" altLang="zh-CN" dirty="0" err="1" smtClean="0"/>
+              <a:t>ReLU</a:t>
+            </a:r>
+            <a:r>
+              <a:rPr lang="zh-CN" altLang="en-US" dirty="0" smtClean="0"/>
+              <a:t>解决梯度弥散</a:t>
+            </a:r>
+            <a:endParaRPr lang="en-US" altLang="zh-CN" dirty="0" smtClean="0"/>
+          </a:p>
+          <a:p>
+            <a:pPr lvl="1"/>
+            <a:r>
+              <a:rPr lang="en-US" altLang="zh-CN" dirty="0"/>
+              <a:t>Dropout</a:t>
+            </a:r>
+            <a:endParaRPr lang="en-US" altLang="zh-CN" dirty="0" smtClean="0"/>
+          </a:p>
+          <a:p>
+            <a:endParaRPr lang="en-US" altLang="zh-CN" dirty="0" smtClean="0"/>
+          </a:p>
+          <a:p>
+            <a:r>
+              <a:rPr lang="en-US" altLang="zh-CN" dirty="0" smtClean="0"/>
+              <a:t>10</a:t>
+            </a:r>
+            <a:r>
+              <a:rPr lang="zh-CN" altLang="en-US" dirty="0" smtClean="0"/>
+              <a:t>层</a:t>
+            </a:r>
+            <a:endParaRPr lang="en-US" altLang="zh-CN" dirty="0" smtClean="0"/>
+          </a:p>
+          <a:p>
+            <a:pPr lvl="1"/>
+            <a:r>
+              <a:rPr lang="zh-CN" altLang="en-US" dirty="0"/>
+              <a:t>批量归一</a:t>
+            </a:r>
+            <a:r>
+              <a:rPr lang="zh-CN" altLang="en-US" dirty="0" smtClean="0"/>
+              <a:t>化</a:t>
+            </a:r>
+            <a:endParaRPr lang="en-US" altLang="zh-CN" dirty="0" smtClean="0"/>
+          </a:p>
+          <a:p>
+            <a:endParaRPr lang="en-US" altLang="zh-CN" dirty="0" smtClean="0"/>
+          </a:p>
+          <a:p>
+            <a:r>
+              <a:rPr lang="en-US" altLang="zh-CN" dirty="0" smtClean="0"/>
+              <a:t>100</a:t>
+            </a:r>
+            <a:r>
+              <a:rPr lang="zh-CN" altLang="en-US" dirty="0" smtClean="0"/>
+              <a:t>层</a:t>
+            </a:r>
+            <a:endParaRPr lang="en-US" altLang="zh-CN" dirty="0" smtClean="0"/>
+          </a:p>
+          <a:p>
+            <a:pPr lvl="1"/>
+            <a:r>
+              <a:rPr lang="zh-CN" altLang="en-US" dirty="0" smtClean="0"/>
+              <a:t>残差网络</a:t>
+            </a:r>
+            <a:endParaRPr lang="en-US" altLang="zh-CN" dirty="0" smtClean="0"/>
+          </a:p>
+        </p:txBody>
+      </p:sp>
       <p:pic>
         <p:nvPicPr>
-          <p:cNvPr id="6" name="Picture 2" descr="D:\Felix\Desktop\Deep Learning Presentation Folder\Figure-3-Graph-of-the-Logistic-function-and-its-derivative-function.png"/>
+          <p:cNvPr id="5" name="Picture 2" descr="https://d3c33hcgiwev3.cloudfront.net/imageAssetProxy.v1/Ul6i5teoEea1UArqXEX_3g_a36fb24a11c744d7552f0fecf2fdd752_Screenshot-2017-01-10-17.13.27.png?expiry=1515283200000&amp;hmac=R8HIlrHHbLnaIkMARaX924ZxKmCwpJ_IpQZcGpRtTu0"/>
           <p:cNvPicPr>
             <a:picLocks noChangeAspect="1" noChangeArrowheads="1"/>
           </p:cNvPicPr>
@@ -7981,8 +8516,8 @@
         </p:blipFill>
         <p:spPr bwMode="auto">
           <a:xfrm>
-            <a:off x="5903568" y="2060849"/>
-            <a:ext cx="4536504" cy="3689559"/>
+            <a:off x="7447891" y="2990286"/>
+            <a:ext cx="4533900" cy="2440937"/>
           </a:xfrm>
           <a:prstGeom prst="rect">
             <a:avLst/>
@@ -7999,102 +8534,112 @@
           </a:extLst>
         </p:spPr>
       </p:pic>
-      <p:sp>
-        <p:nvSpPr>
-          <p:cNvPr id="4" name="Content Placeholder 2"/>
-          <p:cNvSpPr>
-            <a:spLocks noGrp="1"/>
-          </p:cNvSpPr>
-          <p:nvPr>
-            <p:ph idx="1"/>
-          </p:nvPr>
-        </p:nvSpPr>
+      <p:pic>
+        <p:nvPicPr>
+          <p:cNvPr id="7" name="Picture 4" descr="https://d3c33hcgiwev3.cloudfront.net/imageAssetProxy.v1/bYLgwteoEeaX9Qr89uJd1A_73f280ff78695f84ae512f19acfa29a3_Screenshot-2017-01-10-18.16.50.png?expiry=1515283200000&amp;hmac=IvJgdJoIDNnDg56W3RGUylD7bPXUrFWHVpj6tZHCZys"/>
+          <p:cNvPicPr>
+            <a:picLocks noChangeAspect="1" noChangeArrowheads="1"/>
+          </p:cNvPicPr>
+          <p:nvPr/>
+        </p:nvPicPr>
+        <p:blipFill>
+          <a:blip r:embed="rId4">
+            <a:extLst>
+              <a:ext uri="{28A0092B-C50C-407E-A947-70E740481C1C}">
+                <a14:useLocalDpi xmlns:a14="http://schemas.microsoft.com/office/drawing/2010/main" val="0"/>
+              </a:ext>
+            </a:extLst>
+          </a:blip>
+          <a:srcRect/>
+          <a:stretch>
+            <a:fillRect/>
+          </a:stretch>
+        </p:blipFill>
+        <p:spPr bwMode="auto">
+          <a:xfrm>
+            <a:off x="7447891" y="416070"/>
+            <a:ext cx="4533900" cy="2438400"/>
+          </a:xfrm>
+          <a:prstGeom prst="rect">
+            <a:avLst/>
+          </a:prstGeom>
+          <a:noFill/>
+          <a:extLst>
+            <a:ext uri="{909E8E84-426E-40DD-AFC4-6F175D3DCCD1}">
+              <a14:hiddenFill xmlns:a14="http://schemas.microsoft.com/office/drawing/2010/main">
+                <a:solidFill>
+                  <a:srgbClr val="FFFFFF"/>
+                </a:solidFill>
+              </a14:hiddenFill>
+            </a:ext>
+          </a:extLst>
+        </p:spPr>
+      </p:pic>
+      <p:pic>
+        <p:nvPicPr>
+          <p:cNvPr id="8" name="Picture 2" descr="D:\Felix\Desktop\Deep Learning Presentation Folder\Figure-3-Graph-of-the-Logistic-function-and-its-derivative-function.png"/>
+          <p:cNvPicPr>
+            <a:picLocks noChangeAspect="1" noChangeArrowheads="1"/>
+          </p:cNvPicPr>
+          <p:nvPr/>
+        </p:nvPicPr>
+        <p:blipFill>
+          <a:blip r:embed="rId5">
+            <a:extLst>
+              <a:ext uri="{28A0092B-C50C-407E-A947-70E740481C1C}">
+                <a14:useLocalDpi xmlns:a14="http://schemas.microsoft.com/office/drawing/2010/main" val="0"/>
+              </a:ext>
+            </a:extLst>
+          </a:blip>
+          <a:srcRect/>
+          <a:stretch>
+            <a:fillRect/>
+          </a:stretch>
+        </p:blipFill>
+        <p:spPr bwMode="auto">
+          <a:xfrm>
+            <a:off x="4804736" y="2664704"/>
+            <a:ext cx="2329159" cy="1894316"/>
+          </a:xfrm>
+          <a:prstGeom prst="rect">
+            <a:avLst/>
+          </a:prstGeom>
+          <a:noFill/>
+          <a:extLst>
+            <a:ext uri="{909E8E84-426E-40DD-AFC4-6F175D3DCCD1}">
+              <a14:hiddenFill xmlns:a14="http://schemas.microsoft.com/office/drawing/2010/main">
+                <a:solidFill>
+                  <a:srgbClr val="FFFFFF"/>
+                </a:solidFill>
+              </a14:hiddenFill>
+            </a:ext>
+          </a:extLst>
+        </p:spPr>
+      </p:pic>
+      <p:pic>
+        <p:nvPicPr>
+          <p:cNvPr id="9" name="Picture 8"/>
+          <p:cNvPicPr>
+            <a:picLocks noChangeAspect="1"/>
+          </p:cNvPicPr>
+          <p:nvPr/>
+        </p:nvPicPr>
+        <p:blipFill>
+          <a:blip r:embed="rId6"/>
+          <a:stretch>
+            <a:fillRect/>
+          </a:stretch>
+        </p:blipFill>
         <p:spPr>
           <a:xfrm>
-            <a:off x="838200" y="1825625"/>
-            <a:ext cx="10515600" cy="4351338"/>
+            <a:off x="7667296" y="5898357"/>
+            <a:ext cx="4000500" cy="278606"/>
           </a:xfrm>
+          <a:prstGeom prst="rect">
+            <a:avLst/>
+          </a:prstGeom>
         </p:spPr>
-        <p:txBody>
-          <a:bodyPr/>
-          <a:lstStyle/>
-          <a:p>
-            <a:r>
-              <a:rPr lang="zh-CN" altLang="en-US" dirty="0" smtClean="0"/>
-              <a:t>数层</a:t>
-            </a:r>
-            <a:endParaRPr lang="en-US" altLang="zh-CN" dirty="0" smtClean="0"/>
-          </a:p>
-          <a:p>
-            <a:pPr lvl="1"/>
-            <a:r>
-              <a:rPr lang="en-US" altLang="zh-CN" dirty="0" err="1" smtClean="0"/>
-              <a:t>ReLU</a:t>
-            </a:r>
-            <a:r>
-              <a:rPr lang="zh-CN" altLang="en-US" dirty="0" smtClean="0"/>
-              <a:t>解决梯度弥散</a:t>
-            </a:r>
-            <a:endParaRPr lang="en-US" altLang="zh-CN" dirty="0" smtClean="0"/>
-          </a:p>
-          <a:p>
-            <a:pPr lvl="1"/>
-            <a:r>
-              <a:rPr lang="en-US" altLang="zh-CN" dirty="0"/>
-              <a:t>Dropout</a:t>
-            </a:r>
-            <a:endParaRPr lang="en-US" altLang="zh-CN" dirty="0" smtClean="0"/>
-          </a:p>
-          <a:p>
-            <a:endParaRPr lang="en-US" altLang="zh-CN" dirty="0" smtClean="0"/>
-          </a:p>
-          <a:p>
-            <a:r>
-              <a:rPr lang="en-US" altLang="zh-CN" dirty="0" smtClean="0"/>
-              <a:t>10</a:t>
-            </a:r>
-            <a:r>
-              <a:rPr lang="zh-CN" altLang="en-US" dirty="0" smtClean="0"/>
-              <a:t>层</a:t>
-            </a:r>
-            <a:endParaRPr lang="en-US" altLang="zh-CN" dirty="0" smtClean="0"/>
-          </a:p>
-          <a:p>
-            <a:pPr lvl="1"/>
-            <a:r>
-              <a:rPr lang="zh-CN" altLang="en-US" dirty="0"/>
-              <a:t>批量归一</a:t>
-            </a:r>
-            <a:r>
-              <a:rPr lang="zh-CN" altLang="en-US" dirty="0" smtClean="0"/>
-              <a:t>化</a:t>
-            </a:r>
-            <a:endParaRPr lang="en-US" altLang="zh-CN" dirty="0" smtClean="0"/>
-          </a:p>
-          <a:p>
-            <a:endParaRPr lang="en-US" altLang="zh-CN" dirty="0" smtClean="0"/>
-          </a:p>
-          <a:p>
-            <a:r>
-              <a:rPr lang="en-US" altLang="zh-CN" dirty="0" smtClean="0"/>
-              <a:t>100</a:t>
-            </a:r>
-            <a:r>
-              <a:rPr lang="zh-CN" altLang="en-US" dirty="0" smtClean="0"/>
-              <a:t>层</a:t>
-            </a:r>
-            <a:endParaRPr lang="en-US" altLang="zh-CN" dirty="0" smtClean="0"/>
-          </a:p>
-          <a:p>
-            <a:pPr lvl="1"/>
-            <a:r>
-              <a:rPr lang="zh-CN" altLang="en-US" dirty="0" smtClean="0"/>
-              <a:t>残差网络</a:t>
-            </a:r>
-            <a:endParaRPr lang="en-US" altLang="zh-CN" dirty="0" smtClean="0"/>
-          </a:p>
-        </p:txBody>
-      </p:sp>
+      </p:pic>
     </p:spTree>
     <p:extLst>
       <p:ext uri="{BB962C8B-B14F-4D97-AF65-F5344CB8AC3E}">
@@ -8139,7 +8684,7 @@
                                           </p:stCondLst>
                                         </p:cTn>
                                         <p:tgtEl>
-                                          <p:spTgt spid="6"/>
+                                          <p:spTgt spid="8"/>
                                         </p:tgtEl>
                                         <p:attrNameLst>
                                           <p:attrName>style.visibility</p:attrName>
@@ -8153,7 +8698,7 @@
                                       <p:cBhvr additive="base">
                                         <p:cTn id="7" dur="500" fill="hold"/>
                                         <p:tgtEl>
-                                          <p:spTgt spid="6"/>
+                                          <p:spTgt spid="8"/>
                                         </p:tgtEl>
                                         <p:attrNameLst>
                                           <p:attrName>ppt_x</p:attrName>
@@ -8176,7 +8721,7 @@
                                       <p:cBhvr additive="base">
                                         <p:cTn id="8" dur="500" fill="hold"/>
                                         <p:tgtEl>
-                                          <p:spTgt spid="6"/>
+                                          <p:spTgt spid="8"/>
                                         </p:tgtEl>
                                         <p:attrNameLst>
                                           <p:attrName>ppt_y</p:attrName>
@@ -8518,7 +9063,7 @@
         </p:blipFill>
         <p:spPr bwMode="auto">
           <a:xfrm>
-            <a:off x="260412" y="2346146"/>
+            <a:off x="838200" y="1825625"/>
             <a:ext cx="5419725" cy="3905250"/>
           </a:xfrm>
           <a:prstGeom prst="rect">
@@ -8551,7 +9096,7 @@
       </p:pic>
       <p:pic>
         <p:nvPicPr>
-          <p:cNvPr id="1026" name="Picture 2" descr="https://upload-images.jianshu.io/upload_images/3970488-c631fa20a4cd32a9.png?imageMogr2/auto-orient/strip%7CimageView2/2/w/695"/>
+          <p:cNvPr id="3074" name="Picture 2" descr="https://upload-images.jianshu.io/upload_images/3970488-00b0cb309b7fa817.png?imageMogr2/auto-orient/strip%7CimageView2/2/w/445"/>
           <p:cNvPicPr>
             <a:picLocks noChangeAspect="1" noChangeArrowheads="1"/>
           </p:cNvPicPr>
@@ -8572,8 +9117,8 @@
         </p:blipFill>
         <p:spPr bwMode="auto">
           <a:xfrm>
-            <a:off x="5680137" y="2424300"/>
-            <a:ext cx="6619875" cy="3562351"/>
+            <a:off x="7115175" y="365125"/>
+            <a:ext cx="4238625" cy="3028950"/>
           </a:xfrm>
           <a:prstGeom prst="rect">
             <a:avLst/>
@@ -8590,68 +9135,47 @@
           </a:extLst>
         </p:spPr>
       </p:pic>
-      <p:sp>
-        <p:nvSpPr>
-          <p:cNvPr id="5" name="Rectangle 4"/>
-          <p:cNvSpPr/>
+      <p:pic>
+        <p:nvPicPr>
+          <p:cNvPr id="3076" name="Picture 4" descr="https://upload-images.jianshu.io/upload_images/3970488-9e2930bb83240946.png?imageMogr2/auto-orient/strip%7CimageView2/2/w/443"/>
+          <p:cNvPicPr>
+            <a:picLocks noChangeAspect="1" noChangeArrowheads="1"/>
+          </p:cNvPicPr>
           <p:nvPr/>
-        </p:nvSpPr>
-        <p:spPr>
+        </p:nvPicPr>
+        <p:blipFill>
+          <a:blip r:embed="rId5">
+            <a:extLst>
+              <a:ext uri="{28A0092B-C50C-407E-A947-70E740481C1C}">
+                <a14:useLocalDpi xmlns:a14="http://schemas.microsoft.com/office/drawing/2010/main" val="0"/>
+              </a:ext>
+            </a:extLst>
+          </a:blip>
+          <a:srcRect/>
+          <a:stretch>
+            <a:fillRect/>
+          </a:stretch>
+        </p:blipFill>
+        <p:spPr bwMode="auto">
           <a:xfrm>
-            <a:off x="260412" y="1909346"/>
-            <a:ext cx="1569660" cy="369332"/>
+            <a:off x="7134225" y="3529012"/>
+            <a:ext cx="4219575" cy="3143250"/>
           </a:xfrm>
           <a:prstGeom prst="rect">
             <a:avLst/>
           </a:prstGeom>
+          <a:noFill/>
+          <a:extLst>
+            <a:ext uri="{909E8E84-426E-40DD-AFC4-6F175D3DCCD1}">
+              <a14:hiddenFill xmlns:a14="http://schemas.microsoft.com/office/drawing/2010/main">
+                <a:solidFill>
+                  <a:srgbClr val="FFFFFF"/>
+                </a:solidFill>
+              </a14:hiddenFill>
+            </a:ext>
+          </a:extLst>
         </p:spPr>
-        <p:txBody>
-          <a:bodyPr wrap="none">
-            <a:spAutoFit/>
-          </a:bodyPr>
-          <a:lstStyle/>
-          <a:p>
-            <a:r>
-              <a:rPr lang="en-US" smtClean="0"/>
-              <a:t>前向传播过程</a:t>
-            </a:r>
-            <a:endParaRPr lang="en-US" dirty="0"/>
-          </a:p>
-        </p:txBody>
-      </p:sp>
-      <p:sp>
-        <p:nvSpPr>
-          <p:cNvPr id="6" name="Rectangle 5"/>
-          <p:cNvSpPr/>
-          <p:nvPr/>
-        </p:nvSpPr>
-        <p:spPr>
-          <a:xfrm>
-            <a:off x="5680137" y="1920031"/>
-            <a:ext cx="1569660" cy="369332"/>
-          </a:xfrm>
-          <a:prstGeom prst="rect">
-            <a:avLst/>
-          </a:prstGeom>
-        </p:spPr>
-        <p:txBody>
-          <a:bodyPr wrap="none">
-            <a:spAutoFit/>
-          </a:bodyPr>
-          <a:lstStyle/>
-          <a:p>
-            <a:r>
-              <a:rPr lang="zh-CN" altLang="en-US" dirty="0" smtClean="0"/>
-              <a:t>反</a:t>
-            </a:r>
-            <a:r>
-              <a:rPr lang="en-US" dirty="0" err="1" smtClean="0"/>
-              <a:t>向传播过程</a:t>
-            </a:r>
-            <a:endParaRPr lang="en-US" dirty="0"/>
-          </a:p>
-        </p:txBody>
-      </p:sp>
+      </p:pic>
     </p:spTree>
     <p:extLst>
       <p:ext uri="{BB962C8B-B14F-4D97-AF65-F5344CB8AC3E}">

--- a/cnn/ResNet.pptx
+++ b/cnn/ResNet.pptx
@@ -7221,6 +7221,9 @@
           <a:bodyPr/>
           <a:lstStyle/>
           <a:p>
+            <a:pPr marL="0" indent="0">
+              <a:buNone/>
+            </a:pPr>
             <a:r>
               <a:rPr lang="en-US" altLang="ko-KR" dirty="0" err="1" smtClean="0">
                 <a:solidFill>
@@ -7235,18 +7238,7 @@
                   <a:schemeClr val="bg1"/>
                 </a:solidFill>
               </a:rPr>
-              <a:t> He</a:t>
-            </a:r>
-          </a:p>
-          <a:p>
-            <a:pPr lvl="1"/>
-            <a:r>
-              <a:rPr lang="en-US" altLang="ko-KR" dirty="0" err="1" smtClean="0">
-                <a:solidFill>
-                  <a:schemeClr val="bg1"/>
-                </a:solidFill>
-              </a:rPr>
-              <a:t>Dehazing</a:t>
+              <a:t> </a:t>
             </a:r>
             <a:r>
               <a:rPr lang="en-US" altLang="ko-KR" dirty="0" smtClean="0">
@@ -7254,31 +7246,9 @@
                   <a:schemeClr val="bg1"/>
                 </a:solidFill>
               </a:rPr>
-              <a:t> using dark channel prior</a:t>
-            </a:r>
-          </a:p>
-          <a:p>
-            <a:pPr lvl="1"/>
-            <a:r>
-              <a:rPr lang="en-US" altLang="ko-KR" dirty="0" smtClean="0">
-                <a:solidFill>
-                  <a:schemeClr val="bg1"/>
-                </a:solidFill>
-              </a:rPr>
-              <a:t>Guided image filter</a:t>
-            </a:r>
-          </a:p>
-          <a:p>
-            <a:pPr lvl="1"/>
-            <a:r>
-              <a:rPr lang="en-US" altLang="ko-KR" dirty="0" smtClean="0">
-                <a:solidFill>
-                  <a:schemeClr val="bg1"/>
-                </a:solidFill>
-              </a:rPr>
-              <a:t>Computer vision using machine learning…</a:t>
-            </a:r>
-            <a:endParaRPr lang="ko-KR" altLang="en-US" dirty="0">
+              <a:t>He</a:t>
+            </a:r>
+            <a:endParaRPr lang="en-US" altLang="ko-KR" dirty="0" smtClean="0">
               <a:solidFill>
                 <a:schemeClr val="bg1"/>
               </a:solidFill>
